--- a/2022/Cleaner Business Rules With Json Rule Engine and Az Functions.pptx
+++ b/2022/Cleaner Business Rules With Json Rule Engine and Az Functions.pptx
@@ -121,6 +121,11 @@
       </a:defRPr>
     </a:lvl9pPr>
   </p:defaultTextStyle>
+  <p:extLst>
+    <p:ext uri="{EFAFB233-063F-42B5-8137-9DF3F51BA10A}">
+      <p15:sldGuideLst xmlns:p15="http://schemas.microsoft.com/office/powerpoint/2012/main"/>
+    </p:ext>
+  </p:extLst>
 </p:presentation>
 </file>
 
@@ -218,7 +223,7 @@
           <a:p>
             <a:fld id="{4F03D2CD-ADDE-4FBB-A6B1-E89B6908C7B6}" type="datetimeFigureOut">
               <a:rPr lang="en-IN" smtClean="0"/>
-              <a:t>15-10-2022</a:t>
+              <a:t>12-11-2022</a:t>
             </a:fld>
             <a:endParaRPr lang="en-IN"/>
           </a:p>
@@ -530,6 +535,90 @@
           <a:bodyPr/>
           <a:lstStyle/>
           <a:p>
+            <a:endParaRPr lang="en-IN" dirty="0"/>
+          </a:p>
+        </p:txBody>
+      </p:sp>
+      <p:sp>
+        <p:nvSpPr>
+          <p:cNvPr id="4" name="Slide Number Placeholder 3"/>
+          <p:cNvSpPr>
+            <a:spLocks noGrp="1"/>
+          </p:cNvSpPr>
+          <p:nvPr>
+            <p:ph type="sldNum" sz="quarter" idx="5"/>
+          </p:nvPr>
+        </p:nvSpPr>
+        <p:spPr/>
+        <p:txBody>
+          <a:bodyPr/>
+          <a:lstStyle/>
+          <a:p>
+            <a:fld id="{CA3C3E0B-5C61-43D6-9D81-600B5AD6AF03}" type="slidenum">
+              <a:rPr lang="en-IN" smtClean="0"/>
+              <a:t>4</a:t>
+            </a:fld>
+            <a:endParaRPr lang="en-IN"/>
+          </a:p>
+        </p:txBody>
+      </p:sp>
+    </p:spTree>
+    <p:extLst>
+      <p:ext uri="{BB962C8B-B14F-4D97-AF65-F5344CB8AC3E}">
+        <p14:creationId xmlns:p14="http://schemas.microsoft.com/office/powerpoint/2010/main" val="2152569097"/>
+      </p:ext>
+    </p:extLst>
+  </p:cSld>
+  <p:clrMapOvr>
+    <a:masterClrMapping/>
+  </p:clrMapOvr>
+</p:notes>
+</file>
+
+<file path=ppt/notesSlides/notesSlide2.xml><?xml version="1.0" encoding="utf-8"?>
+<p:notes xmlns:a="http://schemas.openxmlformats.org/drawingml/2006/main" xmlns:r="http://schemas.openxmlformats.org/officeDocument/2006/relationships" xmlns:p="http://schemas.openxmlformats.org/presentationml/2006/main">
+  <p:cSld>
+    <p:spTree>
+      <p:nvGrpSpPr>
+        <p:cNvPr id="1" name=""/>
+        <p:cNvGrpSpPr/>
+        <p:nvPr/>
+      </p:nvGrpSpPr>
+      <p:grpSpPr>
+        <a:xfrm>
+          <a:off x="0" y="0"/>
+          <a:ext cx="0" cy="0"/>
+          <a:chOff x="0" y="0"/>
+          <a:chExt cx="0" cy="0"/>
+        </a:xfrm>
+      </p:grpSpPr>
+      <p:sp>
+        <p:nvSpPr>
+          <p:cNvPr id="2" name="Slide Image Placeholder 1"/>
+          <p:cNvSpPr>
+            <a:spLocks noGrp="1" noRot="1" noChangeAspect="1"/>
+          </p:cNvSpPr>
+          <p:nvPr>
+            <p:ph type="sldImg"/>
+          </p:nvPr>
+        </p:nvSpPr>
+        <p:spPr/>
+      </p:sp>
+      <p:sp>
+        <p:nvSpPr>
+          <p:cNvPr id="3" name="Notes Placeholder 2"/>
+          <p:cNvSpPr>
+            <a:spLocks noGrp="1"/>
+          </p:cNvSpPr>
+          <p:nvPr>
+            <p:ph type="body" idx="1"/>
+          </p:nvPr>
+        </p:nvSpPr>
+        <p:spPr/>
+        <p:txBody>
+          <a:bodyPr/>
+          <a:lstStyle/>
+          <a:p>
             <a:pPr marL="228600" indent="-228600">
               <a:buAutoNum type="arabicParenR"/>
             </a:pPr>
@@ -609,7 +698,7 @@
 </p:notes>
 </file>
 
-<file path=ppt/notesSlides/notesSlide2.xml><?xml version="1.0" encoding="utf-8"?>
+<file path=ppt/notesSlides/notesSlide3.xml><?xml version="1.0" encoding="utf-8"?>
 <p:notes xmlns:a="http://schemas.openxmlformats.org/drawingml/2006/main" xmlns:r="http://schemas.openxmlformats.org/officeDocument/2006/relationships" xmlns:p="http://schemas.openxmlformats.org/presentationml/2006/main">
   <p:cSld>
     <p:spTree>
@@ -865,7 +954,7 @@
           <a:p>
             <a:fld id="{8AE07E44-65BA-4930-B56A-FA68AE0EE6F6}" type="datetimeFigureOut">
               <a:rPr lang="en-IN" smtClean="0"/>
-              <a:t>15-10-2022</a:t>
+              <a:t>12-11-2022</a:t>
             </a:fld>
             <a:endParaRPr lang="en-IN"/>
           </a:p>
@@ -1152,7 +1241,7 @@
           <a:p>
             <a:fld id="{8AE07E44-65BA-4930-B56A-FA68AE0EE6F6}" type="datetimeFigureOut">
               <a:rPr lang="en-IN" smtClean="0"/>
-              <a:t>15-10-2022</a:t>
+              <a:t>12-11-2022</a:t>
             </a:fld>
             <a:endParaRPr lang="en-IN"/>
           </a:p>
@@ -1344,7 +1433,7 @@
           <a:p>
             <a:fld id="{8AE07E44-65BA-4930-B56A-FA68AE0EE6F6}" type="datetimeFigureOut">
               <a:rPr lang="en-IN" smtClean="0"/>
-              <a:t>15-10-2022</a:t>
+              <a:t>12-11-2022</a:t>
             </a:fld>
             <a:endParaRPr lang="en-IN"/>
           </a:p>
@@ -1605,7 +1694,7 @@
           <a:p>
             <a:fld id="{8AE07E44-65BA-4930-B56A-FA68AE0EE6F6}" type="datetimeFigureOut">
               <a:rPr lang="en-IN" smtClean="0"/>
-              <a:t>15-10-2022</a:t>
+              <a:t>12-11-2022</a:t>
             </a:fld>
             <a:endParaRPr lang="en-IN"/>
           </a:p>
@@ -2029,7 +2118,7 @@
           <a:p>
             <a:fld id="{8AE07E44-65BA-4930-B56A-FA68AE0EE6F6}" type="datetimeFigureOut">
               <a:rPr lang="en-IN" smtClean="0"/>
-              <a:t>15-10-2022</a:t>
+              <a:t>12-11-2022</a:t>
             </a:fld>
             <a:endParaRPr lang="en-IN"/>
           </a:p>
@@ -2575,7 +2664,7 @@
           <a:p>
             <a:fld id="{8AE07E44-65BA-4930-B56A-FA68AE0EE6F6}" type="datetimeFigureOut">
               <a:rPr lang="en-IN" smtClean="0"/>
-              <a:t>15-10-2022</a:t>
+              <a:t>12-11-2022</a:t>
             </a:fld>
             <a:endParaRPr lang="en-IN"/>
           </a:p>
@@ -3415,7 +3504,7 @@
           <a:p>
             <a:fld id="{8AE07E44-65BA-4930-B56A-FA68AE0EE6F6}" type="datetimeFigureOut">
               <a:rPr lang="en-IN" smtClean="0"/>
-              <a:t>15-10-2022</a:t>
+              <a:t>12-11-2022</a:t>
             </a:fld>
             <a:endParaRPr lang="en-IN"/>
           </a:p>
@@ -3585,7 +3674,7 @@
           <a:p>
             <a:fld id="{8AE07E44-65BA-4930-B56A-FA68AE0EE6F6}" type="datetimeFigureOut">
               <a:rPr lang="en-IN" smtClean="0"/>
-              <a:t>15-10-2022</a:t>
+              <a:t>12-11-2022</a:t>
             </a:fld>
             <a:endParaRPr lang="en-IN"/>
           </a:p>
@@ -3769,7 +3858,7 @@
           <a:p>
             <a:fld id="{8AE07E44-65BA-4930-B56A-FA68AE0EE6F6}" type="datetimeFigureOut">
               <a:rPr lang="en-IN" smtClean="0"/>
-              <a:t>15-10-2022</a:t>
+              <a:t>12-11-2022</a:t>
             </a:fld>
             <a:endParaRPr lang="en-IN"/>
           </a:p>
@@ -3939,7 +4028,7 @@
           <a:p>
             <a:fld id="{8AE07E44-65BA-4930-B56A-FA68AE0EE6F6}" type="datetimeFigureOut">
               <a:rPr lang="en-IN" smtClean="0"/>
-              <a:t>15-10-2022</a:t>
+              <a:t>12-11-2022</a:t>
             </a:fld>
             <a:endParaRPr lang="en-IN"/>
           </a:p>
@@ -4187,7 +4276,7 @@
           <a:p>
             <a:fld id="{8AE07E44-65BA-4930-B56A-FA68AE0EE6F6}" type="datetimeFigureOut">
               <a:rPr lang="en-IN" smtClean="0"/>
-              <a:t>15-10-2022</a:t>
+              <a:t>12-11-2022</a:t>
             </a:fld>
             <a:endParaRPr lang="en-IN"/>
           </a:p>
@@ -4424,7 +4513,7 @@
           <a:p>
             <a:fld id="{8AE07E44-65BA-4930-B56A-FA68AE0EE6F6}" type="datetimeFigureOut">
               <a:rPr lang="en-IN" smtClean="0"/>
-              <a:t>15-10-2022</a:t>
+              <a:t>12-11-2022</a:t>
             </a:fld>
             <a:endParaRPr lang="en-IN"/>
           </a:p>
@@ -4797,7 +4886,7 @@
           <a:p>
             <a:fld id="{8AE07E44-65BA-4930-B56A-FA68AE0EE6F6}" type="datetimeFigureOut">
               <a:rPr lang="en-IN" smtClean="0"/>
-              <a:t>15-10-2022</a:t>
+              <a:t>12-11-2022</a:t>
             </a:fld>
             <a:endParaRPr lang="en-IN"/>
           </a:p>
@@ -4915,7 +5004,7 @@
           <a:p>
             <a:fld id="{8AE07E44-65BA-4930-B56A-FA68AE0EE6F6}" type="datetimeFigureOut">
               <a:rPr lang="en-IN" smtClean="0"/>
-              <a:t>15-10-2022</a:t>
+              <a:t>12-11-2022</a:t>
             </a:fld>
             <a:endParaRPr lang="en-IN"/>
           </a:p>
@@ -5010,7 +5099,7 @@
           <a:p>
             <a:fld id="{8AE07E44-65BA-4930-B56A-FA68AE0EE6F6}" type="datetimeFigureOut">
               <a:rPr lang="en-IN" smtClean="0"/>
-              <a:t>15-10-2022</a:t>
+              <a:t>12-11-2022</a:t>
             </a:fld>
             <a:endParaRPr lang="en-IN"/>
           </a:p>
@@ -5261,7 +5350,7 @@
           <a:p>
             <a:fld id="{8AE07E44-65BA-4930-B56A-FA68AE0EE6F6}" type="datetimeFigureOut">
               <a:rPr lang="en-IN" smtClean="0"/>
-              <a:t>15-10-2022</a:t>
+              <a:t>12-11-2022</a:t>
             </a:fld>
             <a:endParaRPr lang="en-IN"/>
           </a:p>
@@ -5548,7 +5637,7 @@
           <a:p>
             <a:fld id="{8AE07E44-65BA-4930-B56A-FA68AE0EE6F6}" type="datetimeFigureOut">
               <a:rPr lang="en-IN" smtClean="0"/>
-              <a:t>15-10-2022</a:t>
+              <a:t>12-11-2022</a:t>
             </a:fld>
             <a:endParaRPr lang="en-IN"/>
           </a:p>
@@ -5761,7 +5850,7 @@
           <a:p>
             <a:fld id="{8AE07E44-65BA-4930-B56A-FA68AE0EE6F6}" type="datetimeFigureOut">
               <a:rPr lang="en-IN" smtClean="0"/>
-              <a:t>15-10-2022</a:t>
+              <a:t>12-11-2022</a:t>
             </a:fld>
             <a:endParaRPr lang="en-IN"/>
           </a:p>
@@ -9540,12 +9629,12 @@
               </a:ext>
             </a:extLst>
           </a:blip>
-          <a:srcRect l="1884" r="1884"/>
+          <a:srcRect l="7611" r="7611"/>
           <a:stretch/>
         </p:blipFill>
         <p:spPr>
           <a:xfrm>
-            <a:off x="82296" y="177226"/>
+            <a:off x="136084" y="177226"/>
             <a:ext cx="5559552" cy="5654940"/>
           </a:xfrm>
           <a:prstGeom prst="ellipse">
@@ -11578,7 +11667,7 @@
           <p:nvPr/>
         </p:nvPicPr>
         <p:blipFill>
-          <a:blip r:embed="rId2">
+          <a:blip r:embed="rId3">
             <a:extLst>
               <a:ext uri="{28A0092B-C50C-407E-A947-70E740481C1C}">
                 <a14:useLocalDpi xmlns:a14="http://schemas.microsoft.com/office/drawing/2010/main" val="0"/>
@@ -11614,7 +11703,7 @@
           <p:nvPr/>
         </p:nvPicPr>
         <p:blipFill>
-          <a:blip r:embed="rId3">
+          <a:blip r:embed="rId4">
             <a:extLst>
               <a:ext uri="{28A0092B-C50C-407E-A947-70E740481C1C}">
                 <a14:useLocalDpi xmlns:a14="http://schemas.microsoft.com/office/drawing/2010/main" val="0"/>
@@ -11650,7 +11739,7 @@
           <p:nvPr/>
         </p:nvPicPr>
         <p:blipFill>
-          <a:blip r:embed="rId4">
+          <a:blip r:embed="rId5">
             <a:extLst>
               <a:ext uri="{28A0092B-C50C-407E-A947-70E740481C1C}">
                 <a14:useLocalDpi xmlns:a14="http://schemas.microsoft.com/office/drawing/2010/main" val="0"/>
